--- a/Documentation.pptx
+++ b/Documentation.pptx
@@ -104,6 +104,11 @@
       </a:defRPr>
     </a:lvl9pPr>
   </p:defaultTextStyle>
+  <p:extLst>
+    <p:ext uri="{EFAFB233-063F-42B5-8137-9DF3F51BA10A}">
+      <p15:sldGuideLst xmlns:p15="http://schemas.microsoft.com/office/powerpoint/2012/main"/>
+    </p:ext>
+  </p:extLst>
 </p:presentation>
 </file>
 
@@ -3356,7 +3361,7 @@
         </p:nvSpPr>
         <p:spPr>
           <a:xfrm>
-            <a:off x="51371" y="1034716"/>
+            <a:off x="41565" y="153109"/>
             <a:ext cx="12089258" cy="3850105"/>
           </a:xfrm>
           <a:prstGeom prst="rect">
@@ -3410,7 +3415,7 @@
         </p:blipFill>
         <p:spPr>
           <a:xfrm>
-            <a:off x="624825" y="2264665"/>
+            <a:off x="615019" y="1383058"/>
             <a:ext cx="10839608" cy="1954499"/>
           </a:xfrm>
           <a:prstGeom prst="rect">
@@ -3434,7 +3439,7 @@
         </p:nvCxnSpPr>
         <p:spPr>
           <a:xfrm rot="16200000" flipH="1">
-            <a:off x="1097205" y="1838190"/>
+            <a:off x="1087399" y="956583"/>
             <a:ext cx="1360449" cy="564996"/>
           </a:xfrm>
           <a:prstGeom prst="bentConnector3">
@@ -3480,7 +3485,7 @@
         </p:nvCxnSpPr>
         <p:spPr>
           <a:xfrm rot="16200000" flipH="1">
-            <a:off x="1212854" y="1789451"/>
+            <a:off x="1203048" y="907844"/>
             <a:ext cx="1445107" cy="635620"/>
           </a:xfrm>
           <a:prstGeom prst="bentConnector3">
@@ -3526,7 +3531,7 @@
         </p:nvCxnSpPr>
         <p:spPr>
           <a:xfrm rot="5400000">
-            <a:off x="2067935" y="1967716"/>
+            <a:off x="2058129" y="1086109"/>
             <a:ext cx="1389351" cy="334848"/>
           </a:xfrm>
           <a:prstGeom prst="bentConnector3">
@@ -3572,7 +3577,7 @@
         </p:nvCxnSpPr>
         <p:spPr>
           <a:xfrm rot="5400000">
-            <a:off x="2228285" y="2028016"/>
+            <a:off x="2218479" y="1146409"/>
             <a:ext cx="1459975" cy="284872"/>
           </a:xfrm>
           <a:prstGeom prst="bentConnector3">
@@ -3616,7 +3621,7 @@
         </p:nvSpPr>
         <p:spPr>
           <a:xfrm>
-            <a:off x="429161" y="1419610"/>
+            <a:off x="419355" y="538003"/>
             <a:ext cx="1100567" cy="307777"/>
           </a:xfrm>
           <a:prstGeom prst="rect">
@@ -3660,7 +3665,7 @@
         </p:nvSpPr>
         <p:spPr>
           <a:xfrm>
-            <a:off x="1892503" y="1842138"/>
+            <a:off x="1882697" y="960531"/>
             <a:ext cx="1100567" cy="307777"/>
           </a:xfrm>
           <a:prstGeom prst="rect">
@@ -3704,7 +3709,7 @@
         </p:nvSpPr>
         <p:spPr>
           <a:xfrm>
-            <a:off x="1559468" y="1293599"/>
+            <a:off x="1549662" y="436484"/>
             <a:ext cx="1100567" cy="307777"/>
           </a:xfrm>
           <a:prstGeom prst="rect">
@@ -3748,7 +3753,7 @@
         </p:nvSpPr>
         <p:spPr>
           <a:xfrm>
-            <a:off x="3050638" y="1384707"/>
+            <a:off x="3040832" y="503100"/>
             <a:ext cx="1100567" cy="307777"/>
           </a:xfrm>
           <a:prstGeom prst="rect">
@@ -3792,7 +3797,7 @@
         </p:nvSpPr>
         <p:spPr>
           <a:xfrm>
-            <a:off x="338765" y="4228165"/>
+            <a:off x="328959" y="3346558"/>
             <a:ext cx="1281357" cy="307777"/>
           </a:xfrm>
           <a:prstGeom prst="rect">
@@ -3836,7 +3841,7 @@
         </p:nvSpPr>
         <p:spPr>
           <a:xfrm>
-            <a:off x="2409959" y="4228165"/>
+            <a:off x="2400153" y="3346558"/>
             <a:ext cx="1281357" cy="307777"/>
           </a:xfrm>
           <a:prstGeom prst="rect">
@@ -3862,6 +3867,514 @@
                 </a:solidFill>
               </a:rPr>
               <a:t>Hidden Sellers</a:t>
+            </a:r>
+          </a:p>
+        </p:txBody>
+      </p:sp>
+      <p:cxnSp>
+        <p:nvCxnSpPr>
+          <p:cNvPr id="3" name="Straight Arrow Connector 2">
+            <a:extLst>
+              <a:ext uri="{FF2B5EF4-FFF2-40B4-BE49-F238E27FC236}">
+                <a16:creationId xmlns:a16="http://schemas.microsoft.com/office/drawing/2014/main" id="{F26A4BEE-D619-A246-A2B6-8FC7A20FDFEB}"/>
+              </a:ext>
+            </a:extLst>
+          </p:cNvPr>
+          <p:cNvCxnSpPr>
+            <a:stCxn id="29" idx="0"/>
+          </p:cNvCxnSpPr>
+          <p:nvPr/>
+        </p:nvCxnSpPr>
+        <p:spPr>
+          <a:xfrm flipV="1">
+            <a:off x="969638" y="3142956"/>
+            <a:ext cx="1130" cy="203602"/>
+          </a:xfrm>
+          <a:prstGeom prst="straightConnector1">
+            <a:avLst/>
+          </a:prstGeom>
+          <a:ln w="19050">
+            <a:solidFill>
+              <a:schemeClr val="bg1"/>
+            </a:solidFill>
+            <a:tailEnd type="triangle"/>
+          </a:ln>
+        </p:spPr>
+        <p:style>
+          <a:lnRef idx="1">
+            <a:schemeClr val="accent1"/>
+          </a:lnRef>
+          <a:fillRef idx="0">
+            <a:schemeClr val="accent1"/>
+          </a:fillRef>
+          <a:effectRef idx="0">
+            <a:schemeClr val="accent1"/>
+          </a:effectRef>
+          <a:fontRef idx="minor">
+            <a:schemeClr val="tx1"/>
+          </a:fontRef>
+        </p:style>
+      </p:cxnSp>
+      <p:sp>
+        <p:nvSpPr>
+          <p:cNvPr id="5" name="Rectangle 4">
+            <a:extLst>
+              <a:ext uri="{FF2B5EF4-FFF2-40B4-BE49-F238E27FC236}">
+                <a16:creationId xmlns:a16="http://schemas.microsoft.com/office/drawing/2014/main" id="{0AE802B9-5FF5-A741-9AB1-FAB5735845C0}"/>
+              </a:ext>
+            </a:extLst>
+          </p:cNvPr>
+          <p:cNvSpPr/>
+          <p:nvPr/>
+        </p:nvSpPr>
+        <p:spPr>
+          <a:xfrm>
+            <a:off x="6457168" y="1383058"/>
+            <a:ext cx="1130968" cy="1954499"/>
+          </a:xfrm>
+          <a:prstGeom prst="rect">
+            <a:avLst/>
+          </a:prstGeom>
+          <a:noFill/>
+          <a:ln w="28575">
+            <a:solidFill>
+              <a:schemeClr val="bg1"/>
+            </a:solidFill>
+          </a:ln>
+        </p:spPr>
+        <p:style>
+          <a:lnRef idx="2">
+            <a:schemeClr val="accent1">
+              <a:shade val="50000"/>
+            </a:schemeClr>
+          </a:lnRef>
+          <a:fillRef idx="1">
+            <a:schemeClr val="accent1"/>
+          </a:fillRef>
+          <a:effectRef idx="0">
+            <a:schemeClr val="accent1"/>
+          </a:effectRef>
+          <a:fontRef idx="minor">
+            <a:schemeClr val="lt1"/>
+          </a:fontRef>
+        </p:style>
+        <p:txBody>
+          <a:bodyPr rtlCol="0" anchor="ctr"/>
+          <a:lstStyle/>
+          <a:p>
+            <a:pPr algn="ctr"/>
+            <a:endParaRPr lang="en-US"/>
+          </a:p>
+        </p:txBody>
+      </p:sp>
+      <p:sp>
+        <p:nvSpPr>
+          <p:cNvPr id="17" name="Rectangle 16">
+            <a:extLst>
+              <a:ext uri="{FF2B5EF4-FFF2-40B4-BE49-F238E27FC236}">
+                <a16:creationId xmlns:a16="http://schemas.microsoft.com/office/drawing/2014/main" id="{F284CD65-CD8E-284A-B21E-512AF34D3FEC}"/>
+              </a:ext>
+            </a:extLst>
+          </p:cNvPr>
+          <p:cNvSpPr/>
+          <p:nvPr/>
+        </p:nvSpPr>
+        <p:spPr>
+          <a:xfrm>
+            <a:off x="7635986" y="1383058"/>
+            <a:ext cx="1130968" cy="1954499"/>
+          </a:xfrm>
+          <a:prstGeom prst="rect">
+            <a:avLst/>
+          </a:prstGeom>
+          <a:noFill/>
+          <a:ln w="28575">
+            <a:solidFill>
+              <a:schemeClr val="bg1"/>
+            </a:solidFill>
+          </a:ln>
+        </p:spPr>
+        <p:style>
+          <a:lnRef idx="2">
+            <a:schemeClr val="accent1">
+              <a:shade val="50000"/>
+            </a:schemeClr>
+          </a:lnRef>
+          <a:fillRef idx="1">
+            <a:schemeClr val="accent1"/>
+          </a:fillRef>
+          <a:effectRef idx="0">
+            <a:schemeClr val="accent1"/>
+          </a:effectRef>
+          <a:fontRef idx="minor">
+            <a:schemeClr val="lt1"/>
+          </a:fontRef>
+        </p:style>
+        <p:txBody>
+          <a:bodyPr rtlCol="0" anchor="ctr"/>
+          <a:lstStyle/>
+          <a:p>
+            <a:pPr algn="ctr"/>
+            <a:endParaRPr lang="en-US"/>
+          </a:p>
+        </p:txBody>
+      </p:sp>
+      <p:sp>
+        <p:nvSpPr>
+          <p:cNvPr id="18" name="Rectangle 17">
+            <a:extLst>
+              <a:ext uri="{FF2B5EF4-FFF2-40B4-BE49-F238E27FC236}">
+                <a16:creationId xmlns:a16="http://schemas.microsoft.com/office/drawing/2014/main" id="{647BAA6D-3610-074F-91B5-DDD0BB3688C5}"/>
+              </a:ext>
+            </a:extLst>
+          </p:cNvPr>
+          <p:cNvSpPr/>
+          <p:nvPr/>
+        </p:nvSpPr>
+        <p:spPr>
+          <a:xfrm>
+            <a:off x="8915004" y="1374057"/>
+            <a:ext cx="1219440" cy="1954499"/>
+          </a:xfrm>
+          <a:prstGeom prst="rect">
+            <a:avLst/>
+          </a:prstGeom>
+          <a:noFill/>
+          <a:ln w="28575">
+            <a:solidFill>
+              <a:schemeClr val="bg1"/>
+            </a:solidFill>
+          </a:ln>
+        </p:spPr>
+        <p:style>
+          <a:lnRef idx="2">
+            <a:schemeClr val="accent1">
+              <a:shade val="50000"/>
+            </a:schemeClr>
+          </a:lnRef>
+          <a:fillRef idx="1">
+            <a:schemeClr val="accent1"/>
+          </a:fillRef>
+          <a:effectRef idx="0">
+            <a:schemeClr val="accent1"/>
+          </a:effectRef>
+          <a:fontRef idx="minor">
+            <a:schemeClr val="lt1"/>
+          </a:fontRef>
+        </p:style>
+        <p:txBody>
+          <a:bodyPr rtlCol="0" anchor="ctr"/>
+          <a:lstStyle/>
+          <a:p>
+            <a:pPr algn="ctr"/>
+            <a:endParaRPr lang="en-US"/>
+          </a:p>
+        </p:txBody>
+      </p:sp>
+      <p:sp>
+        <p:nvSpPr>
+          <p:cNvPr id="20" name="Rectangle 19">
+            <a:extLst>
+              <a:ext uri="{FF2B5EF4-FFF2-40B4-BE49-F238E27FC236}">
+                <a16:creationId xmlns:a16="http://schemas.microsoft.com/office/drawing/2014/main" id="{17979A9D-E118-BA49-AB63-D1404168EDE5}"/>
+              </a:ext>
+            </a:extLst>
+          </p:cNvPr>
+          <p:cNvSpPr/>
+          <p:nvPr/>
+        </p:nvSpPr>
+        <p:spPr>
+          <a:xfrm>
+            <a:off x="10235187" y="1374056"/>
+            <a:ext cx="1219440" cy="1954499"/>
+          </a:xfrm>
+          <a:prstGeom prst="rect">
+            <a:avLst/>
+          </a:prstGeom>
+          <a:noFill/>
+          <a:ln w="28575">
+            <a:solidFill>
+              <a:schemeClr val="bg1"/>
+            </a:solidFill>
+          </a:ln>
+        </p:spPr>
+        <p:style>
+          <a:lnRef idx="2">
+            <a:schemeClr val="accent1">
+              <a:shade val="50000"/>
+            </a:schemeClr>
+          </a:lnRef>
+          <a:fillRef idx="1">
+            <a:schemeClr val="accent1"/>
+          </a:fillRef>
+          <a:effectRef idx="0">
+            <a:schemeClr val="accent1"/>
+          </a:effectRef>
+          <a:fontRef idx="minor">
+            <a:schemeClr val="lt1"/>
+          </a:fontRef>
+        </p:style>
+        <p:txBody>
+          <a:bodyPr rtlCol="0" anchor="ctr"/>
+          <a:lstStyle/>
+          <a:p>
+            <a:pPr algn="ctr"/>
+            <a:endParaRPr lang="en-US"/>
+          </a:p>
+        </p:txBody>
+      </p:sp>
+      <p:sp>
+        <p:nvSpPr>
+          <p:cNvPr id="21" name="TextBox 20">
+            <a:extLst>
+              <a:ext uri="{FF2B5EF4-FFF2-40B4-BE49-F238E27FC236}">
+                <a16:creationId xmlns:a16="http://schemas.microsoft.com/office/drawing/2014/main" id="{5EAA28AD-3148-5043-A480-A1E723B4A741}"/>
+              </a:ext>
+            </a:extLst>
+          </p:cNvPr>
+          <p:cNvSpPr txBox="1"/>
+          <p:nvPr/>
+        </p:nvSpPr>
+        <p:spPr>
+          <a:xfrm>
+            <a:off x="6472368" y="376420"/>
+            <a:ext cx="1100567" cy="938719"/>
+          </a:xfrm>
+          <a:prstGeom prst="rect">
+            <a:avLst/>
+          </a:prstGeom>
+          <a:noFill/>
+          <a:ln>
+            <a:solidFill>
+              <a:schemeClr val="bg1"/>
+            </a:solidFill>
+            <a:prstDash val="sysDash"/>
+          </a:ln>
+        </p:spPr>
+        <p:txBody>
+          <a:bodyPr wrap="square" rtlCol="0">
+            <a:spAutoFit/>
+          </a:bodyPr>
+          <a:lstStyle/>
+          <a:p>
+            <a:pPr algn="just"/>
+            <a:r>
+              <a:rPr lang="en-US" sz="1100" b="1" dirty="0">
+                <a:ln>
+                  <a:solidFill>
+                    <a:schemeClr val="bg1"/>
+                  </a:solidFill>
+                </a:ln>
+                <a:solidFill>
+                  <a:schemeClr val="bg1"/>
+                </a:solidFill>
+              </a:rPr>
+              <a:t>High</a:t>
+            </a:r>
+            <a:r>
+              <a:rPr lang="en-US" sz="1100" dirty="0">
+                <a:ln>
+                  <a:solidFill>
+                    <a:schemeClr val="bg1"/>
+                  </a:solidFill>
+                </a:ln>
+                <a:solidFill>
+                  <a:schemeClr val="bg1"/>
+                </a:solidFill>
+              </a:rPr>
+              <a:t> sale on bid in given time frame. Here the range is 5 seconds</a:t>
+            </a:r>
+          </a:p>
+        </p:txBody>
+      </p:sp>
+      <p:sp>
+        <p:nvSpPr>
+          <p:cNvPr id="23" name="TextBox 22">
+            <a:extLst>
+              <a:ext uri="{FF2B5EF4-FFF2-40B4-BE49-F238E27FC236}">
+                <a16:creationId xmlns:a16="http://schemas.microsoft.com/office/drawing/2014/main" id="{C693A90F-2B4C-BA46-938C-1C2D9A3A9D4C}"/>
+              </a:ext>
+            </a:extLst>
+          </p:cNvPr>
+          <p:cNvSpPr txBox="1"/>
+          <p:nvPr/>
+        </p:nvSpPr>
+        <p:spPr>
+          <a:xfrm>
+            <a:off x="7627335" y="376420"/>
+            <a:ext cx="1100567" cy="938719"/>
+          </a:xfrm>
+          <a:prstGeom prst="rect">
+            <a:avLst/>
+          </a:prstGeom>
+          <a:noFill/>
+          <a:ln>
+            <a:solidFill>
+              <a:schemeClr val="bg1"/>
+            </a:solidFill>
+            <a:prstDash val="sysDash"/>
+          </a:ln>
+        </p:spPr>
+        <p:txBody>
+          <a:bodyPr wrap="square" rtlCol="0">
+            <a:spAutoFit/>
+          </a:bodyPr>
+          <a:lstStyle/>
+          <a:p>
+            <a:pPr algn="just"/>
+            <a:r>
+              <a:rPr lang="en-US" sz="1100" b="1" dirty="0">
+                <a:ln>
+                  <a:solidFill>
+                    <a:schemeClr val="bg1"/>
+                  </a:solidFill>
+                </a:ln>
+                <a:solidFill>
+                  <a:schemeClr val="bg1"/>
+                </a:solidFill>
+              </a:rPr>
+              <a:t>High</a:t>
+            </a:r>
+            <a:r>
+              <a:rPr lang="en-US" sz="1100" dirty="0">
+                <a:ln>
+                  <a:solidFill>
+                    <a:schemeClr val="bg1"/>
+                  </a:solidFill>
+                </a:ln>
+                <a:solidFill>
+                  <a:schemeClr val="bg1"/>
+                </a:solidFill>
+              </a:rPr>
+              <a:t> sale on ask in given time frame. Here the range is 5 seconds</a:t>
+            </a:r>
+          </a:p>
+        </p:txBody>
+      </p:sp>
+      <p:sp>
+        <p:nvSpPr>
+          <p:cNvPr id="24" name="TextBox 23">
+            <a:extLst>
+              <a:ext uri="{FF2B5EF4-FFF2-40B4-BE49-F238E27FC236}">
+                <a16:creationId xmlns:a16="http://schemas.microsoft.com/office/drawing/2014/main" id="{63AF6328-F1E5-5D4E-93C4-BC5450018256}"/>
+              </a:ext>
+            </a:extLst>
+          </p:cNvPr>
+          <p:cNvSpPr txBox="1"/>
+          <p:nvPr/>
+        </p:nvSpPr>
+        <p:spPr>
+          <a:xfrm>
+            <a:off x="8915004" y="376419"/>
+            <a:ext cx="1100567" cy="938719"/>
+          </a:xfrm>
+          <a:prstGeom prst="rect">
+            <a:avLst/>
+          </a:prstGeom>
+          <a:noFill/>
+          <a:ln>
+            <a:solidFill>
+              <a:schemeClr val="bg1"/>
+            </a:solidFill>
+            <a:prstDash val="sysDash"/>
+          </a:ln>
+        </p:spPr>
+        <p:txBody>
+          <a:bodyPr wrap="square" rtlCol="0">
+            <a:spAutoFit/>
+          </a:bodyPr>
+          <a:lstStyle/>
+          <a:p>
+            <a:pPr algn="just"/>
+            <a:r>
+              <a:rPr lang="en-US" sz="1100" b="1" dirty="0">
+                <a:ln>
+                  <a:solidFill>
+                    <a:schemeClr val="bg1"/>
+                  </a:solidFill>
+                </a:ln>
+                <a:solidFill>
+                  <a:schemeClr val="bg1"/>
+                </a:solidFill>
+              </a:rPr>
+              <a:t>totals</a:t>
+            </a:r>
+            <a:r>
+              <a:rPr lang="en-US" sz="1100" dirty="0">
+                <a:ln>
+                  <a:solidFill>
+                    <a:schemeClr val="bg1"/>
+                  </a:solidFill>
+                </a:ln>
+                <a:solidFill>
+                  <a:schemeClr val="bg1"/>
+                </a:solidFill>
+              </a:rPr>
+              <a:t> sales on bid in given time frame. Here the range is 5 seconds</a:t>
+            </a:r>
+          </a:p>
+        </p:txBody>
+      </p:sp>
+      <p:sp>
+        <p:nvSpPr>
+          <p:cNvPr id="31" name="TextBox 30">
+            <a:extLst>
+              <a:ext uri="{FF2B5EF4-FFF2-40B4-BE49-F238E27FC236}">
+                <a16:creationId xmlns:a16="http://schemas.microsoft.com/office/drawing/2014/main" id="{E2DFC1C5-AC4E-A248-8138-0A059813913E}"/>
+              </a:ext>
+            </a:extLst>
+          </p:cNvPr>
+          <p:cNvSpPr txBox="1"/>
+          <p:nvPr/>
+        </p:nvSpPr>
+        <p:spPr>
+          <a:xfrm>
+            <a:off x="10235187" y="371399"/>
+            <a:ext cx="1100567" cy="938719"/>
+          </a:xfrm>
+          <a:prstGeom prst="rect">
+            <a:avLst/>
+          </a:prstGeom>
+          <a:noFill/>
+          <a:ln>
+            <a:solidFill>
+              <a:schemeClr val="bg1"/>
+            </a:solidFill>
+            <a:prstDash val="sysDash"/>
+          </a:ln>
+        </p:spPr>
+        <p:txBody>
+          <a:bodyPr wrap="square" rtlCol="0">
+            <a:spAutoFit/>
+          </a:bodyPr>
+          <a:lstStyle/>
+          <a:p>
+            <a:pPr algn="just"/>
+            <a:r>
+              <a:rPr lang="en-US" sz="1100" b="1" dirty="0">
+                <a:ln>
+                  <a:solidFill>
+                    <a:schemeClr val="bg1"/>
+                  </a:solidFill>
+                </a:ln>
+                <a:solidFill>
+                  <a:schemeClr val="bg1"/>
+                </a:solidFill>
+              </a:rPr>
+              <a:t>totals</a:t>
+            </a:r>
+            <a:r>
+              <a:rPr lang="en-US" sz="1100" dirty="0">
+                <a:ln>
+                  <a:solidFill>
+                    <a:schemeClr val="bg1"/>
+                  </a:solidFill>
+                </a:ln>
+                <a:solidFill>
+                  <a:schemeClr val="bg1"/>
+                </a:solidFill>
+              </a:rPr>
+              <a:t> sales on ask in given time frame. Here the range is 5 seconds</a:t>
             </a:r>
           </a:p>
         </p:txBody>

--- a/Documentation.pptx
+++ b/Documentation.pptx
@@ -261,7 +261,7 @@
           <a:p>
             <a:fld id="{E01C8718-C824-3D49-B8EC-C479F5FB4AFD}" type="datetimeFigureOut">
               <a:rPr lang="en-US" smtClean="0"/>
-              <a:t>4/4/21</a:t>
+              <a:t>4/6/21</a:t>
             </a:fld>
             <a:endParaRPr lang="en-US"/>
           </a:p>
@@ -461,7 +461,7 @@
           <a:p>
             <a:fld id="{E01C8718-C824-3D49-B8EC-C479F5FB4AFD}" type="datetimeFigureOut">
               <a:rPr lang="en-US" smtClean="0"/>
-              <a:t>4/4/21</a:t>
+              <a:t>4/6/21</a:t>
             </a:fld>
             <a:endParaRPr lang="en-US"/>
           </a:p>
@@ -671,7 +671,7 @@
           <a:p>
             <a:fld id="{E01C8718-C824-3D49-B8EC-C479F5FB4AFD}" type="datetimeFigureOut">
               <a:rPr lang="en-US" smtClean="0"/>
-              <a:t>4/4/21</a:t>
+              <a:t>4/6/21</a:t>
             </a:fld>
             <a:endParaRPr lang="en-US"/>
           </a:p>
@@ -871,7 +871,7 @@
           <a:p>
             <a:fld id="{E01C8718-C824-3D49-B8EC-C479F5FB4AFD}" type="datetimeFigureOut">
               <a:rPr lang="en-US" smtClean="0"/>
-              <a:t>4/4/21</a:t>
+              <a:t>4/6/21</a:t>
             </a:fld>
             <a:endParaRPr lang="en-US"/>
           </a:p>
@@ -1147,7 +1147,7 @@
           <a:p>
             <a:fld id="{E01C8718-C824-3D49-B8EC-C479F5FB4AFD}" type="datetimeFigureOut">
               <a:rPr lang="en-US" smtClean="0"/>
-              <a:t>4/4/21</a:t>
+              <a:t>4/6/21</a:t>
             </a:fld>
             <a:endParaRPr lang="en-US"/>
           </a:p>
@@ -1415,7 +1415,7 @@
           <a:p>
             <a:fld id="{E01C8718-C824-3D49-B8EC-C479F5FB4AFD}" type="datetimeFigureOut">
               <a:rPr lang="en-US" smtClean="0"/>
-              <a:t>4/4/21</a:t>
+              <a:t>4/6/21</a:t>
             </a:fld>
             <a:endParaRPr lang="en-US"/>
           </a:p>
@@ -1830,7 +1830,7 @@
           <a:p>
             <a:fld id="{E01C8718-C824-3D49-B8EC-C479F5FB4AFD}" type="datetimeFigureOut">
               <a:rPr lang="en-US" smtClean="0"/>
-              <a:t>4/4/21</a:t>
+              <a:t>4/6/21</a:t>
             </a:fld>
             <a:endParaRPr lang="en-US"/>
           </a:p>
@@ -1972,7 +1972,7 @@
           <a:p>
             <a:fld id="{E01C8718-C824-3D49-B8EC-C479F5FB4AFD}" type="datetimeFigureOut">
               <a:rPr lang="en-US" smtClean="0"/>
-              <a:t>4/4/21</a:t>
+              <a:t>4/6/21</a:t>
             </a:fld>
             <a:endParaRPr lang="en-US"/>
           </a:p>
@@ -2085,7 +2085,7 @@
           <a:p>
             <a:fld id="{E01C8718-C824-3D49-B8EC-C479F5FB4AFD}" type="datetimeFigureOut">
               <a:rPr lang="en-US" smtClean="0"/>
-              <a:t>4/4/21</a:t>
+              <a:t>4/6/21</a:t>
             </a:fld>
             <a:endParaRPr lang="en-US"/>
           </a:p>
@@ -2398,7 +2398,7 @@
           <a:p>
             <a:fld id="{E01C8718-C824-3D49-B8EC-C479F5FB4AFD}" type="datetimeFigureOut">
               <a:rPr lang="en-US" smtClean="0"/>
-              <a:t>4/4/21</a:t>
+              <a:t>4/6/21</a:t>
             </a:fld>
             <a:endParaRPr lang="en-US"/>
           </a:p>
@@ -2687,7 +2687,7 @@
           <a:p>
             <a:fld id="{E01C8718-C824-3D49-B8EC-C479F5FB4AFD}" type="datetimeFigureOut">
               <a:rPr lang="en-US" smtClean="0"/>
-              <a:t>4/4/21</a:t>
+              <a:t>4/6/21</a:t>
             </a:fld>
             <a:endParaRPr lang="en-US"/>
           </a:p>
@@ -2930,7 +2930,7 @@
           <a:p>
             <a:fld id="{E01C8718-C824-3D49-B8EC-C479F5FB4AFD}" type="datetimeFigureOut">
               <a:rPr lang="en-US" smtClean="0"/>
-              <a:t>4/4/21</a:t>
+              <a:t>4/6/21</a:t>
             </a:fld>
             <a:endParaRPr lang="en-US"/>
           </a:p>
@@ -3361,7 +3361,7 @@
         </p:nvSpPr>
         <p:spPr>
           <a:xfrm>
-            <a:off x="41565" y="153109"/>
+            <a:off x="51839" y="574351"/>
             <a:ext cx="12089258" cy="3850105"/>
           </a:xfrm>
           <a:prstGeom prst="rect">
@@ -3415,7 +3415,7 @@
         </p:blipFill>
         <p:spPr>
           <a:xfrm>
-            <a:off x="615019" y="1383058"/>
+            <a:off x="625293" y="1804300"/>
             <a:ext cx="10839608" cy="1954499"/>
           </a:xfrm>
           <a:prstGeom prst="rect">
@@ -3439,7 +3439,7 @@
         </p:nvCxnSpPr>
         <p:spPr>
           <a:xfrm rot="16200000" flipH="1">
-            <a:off x="1087399" y="956583"/>
+            <a:off x="1097673" y="1377825"/>
             <a:ext cx="1360449" cy="564996"/>
           </a:xfrm>
           <a:prstGeom prst="bentConnector3">
@@ -3485,7 +3485,7 @@
         </p:nvCxnSpPr>
         <p:spPr>
           <a:xfrm rot="16200000" flipH="1">
-            <a:off x="1203048" y="907844"/>
+            <a:off x="1213322" y="1329086"/>
             <a:ext cx="1445107" cy="635620"/>
           </a:xfrm>
           <a:prstGeom prst="bentConnector3">
@@ -3531,7 +3531,7 @@
         </p:nvCxnSpPr>
         <p:spPr>
           <a:xfrm rot="5400000">
-            <a:off x="2058129" y="1086109"/>
+            <a:off x="2068403" y="1507351"/>
             <a:ext cx="1389351" cy="334848"/>
           </a:xfrm>
           <a:prstGeom prst="bentConnector3">
@@ -3577,7 +3577,7 @@
         </p:nvCxnSpPr>
         <p:spPr>
           <a:xfrm rot="5400000">
-            <a:off x="2218479" y="1146409"/>
+            <a:off x="2228753" y="1567651"/>
             <a:ext cx="1459975" cy="284872"/>
           </a:xfrm>
           <a:prstGeom prst="bentConnector3">
@@ -3621,7 +3621,7 @@
         </p:nvSpPr>
         <p:spPr>
           <a:xfrm>
-            <a:off x="419355" y="538003"/>
+            <a:off x="429629" y="959245"/>
             <a:ext cx="1100567" cy="307777"/>
           </a:xfrm>
           <a:prstGeom prst="rect">
@@ -3665,7 +3665,7 @@
         </p:nvSpPr>
         <p:spPr>
           <a:xfrm>
-            <a:off x="1882697" y="960531"/>
+            <a:off x="1892971" y="1381773"/>
             <a:ext cx="1100567" cy="307777"/>
           </a:xfrm>
           <a:prstGeom prst="rect">
@@ -3709,7 +3709,7 @@
         </p:nvSpPr>
         <p:spPr>
           <a:xfrm>
-            <a:off x="1549662" y="436484"/>
+            <a:off x="1559936" y="857726"/>
             <a:ext cx="1100567" cy="307777"/>
           </a:xfrm>
           <a:prstGeom prst="rect">
@@ -3753,7 +3753,7 @@
         </p:nvSpPr>
         <p:spPr>
           <a:xfrm>
-            <a:off x="3040832" y="503100"/>
+            <a:off x="3051106" y="924342"/>
             <a:ext cx="1100567" cy="307777"/>
           </a:xfrm>
           <a:prstGeom prst="rect">
@@ -3797,7 +3797,7 @@
         </p:nvSpPr>
         <p:spPr>
           <a:xfrm>
-            <a:off x="328959" y="3346558"/>
+            <a:off x="339233" y="3767800"/>
             <a:ext cx="1281357" cy="307777"/>
           </a:xfrm>
           <a:prstGeom prst="rect">
@@ -3841,7 +3841,7 @@
         </p:nvSpPr>
         <p:spPr>
           <a:xfrm>
-            <a:off x="2400153" y="3346558"/>
+            <a:off x="2410427" y="3767800"/>
             <a:ext cx="1281357" cy="307777"/>
           </a:xfrm>
           <a:prstGeom prst="rect">
@@ -3887,7 +3887,7 @@
         </p:nvCxnSpPr>
         <p:spPr>
           <a:xfrm flipV="1">
-            <a:off x="969638" y="3142956"/>
+            <a:off x="979912" y="3564198"/>
             <a:ext cx="1130" cy="203602"/>
           </a:xfrm>
           <a:prstGeom prst="straightConnector1">
@@ -3929,7 +3929,7 @@
         </p:nvSpPr>
         <p:spPr>
           <a:xfrm>
-            <a:off x="6457168" y="1383058"/>
+            <a:off x="6467442" y="1804300"/>
             <a:ext cx="1130968" cy="1954499"/>
           </a:xfrm>
           <a:prstGeom prst="rect">
@@ -3981,7 +3981,7 @@
         </p:nvSpPr>
         <p:spPr>
           <a:xfrm>
-            <a:off x="7635986" y="1383058"/>
+            <a:off x="7646260" y="1804300"/>
             <a:ext cx="1130968" cy="1954499"/>
           </a:xfrm>
           <a:prstGeom prst="rect">
@@ -4033,7 +4033,7 @@
         </p:nvSpPr>
         <p:spPr>
           <a:xfrm>
-            <a:off x="8915004" y="1374057"/>
+            <a:off x="8925278" y="1795299"/>
             <a:ext cx="1219440" cy="1954499"/>
           </a:xfrm>
           <a:prstGeom prst="rect">
@@ -4085,7 +4085,7 @@
         </p:nvSpPr>
         <p:spPr>
           <a:xfrm>
-            <a:off x="10235187" y="1374056"/>
+            <a:off x="10245461" y="1795298"/>
             <a:ext cx="1219440" cy="1954499"/>
           </a:xfrm>
           <a:prstGeom prst="rect">
@@ -4137,7 +4137,7 @@
         </p:nvSpPr>
         <p:spPr>
           <a:xfrm>
-            <a:off x="6472368" y="376420"/>
+            <a:off x="6482642" y="797662"/>
             <a:ext cx="1100567" cy="938719"/>
           </a:xfrm>
           <a:prstGeom prst="rect">
@@ -4201,7 +4201,7 @@
         </p:nvSpPr>
         <p:spPr>
           <a:xfrm>
-            <a:off x="7627335" y="376420"/>
+            <a:off x="7637609" y="797662"/>
             <a:ext cx="1100567" cy="938719"/>
           </a:xfrm>
           <a:prstGeom prst="rect">
@@ -4265,7 +4265,7 @@
         </p:nvSpPr>
         <p:spPr>
           <a:xfrm>
-            <a:off x="8915004" y="376419"/>
+            <a:off x="8925278" y="797661"/>
             <a:ext cx="1100567" cy="938719"/>
           </a:xfrm>
           <a:prstGeom prst="rect">
@@ -4329,7 +4329,7 @@
         </p:nvSpPr>
         <p:spPr>
           <a:xfrm>
-            <a:off x="10235187" y="371399"/>
+            <a:off x="10245461" y="792641"/>
             <a:ext cx="1100567" cy="938719"/>
           </a:xfrm>
           <a:prstGeom prst="rect">
@@ -4375,6 +4375,96 @@
                 </a:solidFill>
               </a:rPr>
               <a:t> sales on ask in given time frame. Here the range is 5 seconds</a:t>
+            </a:r>
+          </a:p>
+        </p:txBody>
+      </p:sp>
+      <p:sp>
+        <p:nvSpPr>
+          <p:cNvPr id="2" name="TextBox 1">
+            <a:extLst>
+              <a:ext uri="{FF2B5EF4-FFF2-40B4-BE49-F238E27FC236}">
+                <a16:creationId xmlns:a16="http://schemas.microsoft.com/office/drawing/2014/main" id="{E557AABF-B4C4-E948-8238-193F8CB8DCB1}"/>
+              </a:ext>
+            </a:extLst>
+          </p:cNvPr>
+          <p:cNvSpPr txBox="1"/>
+          <p:nvPr/>
+        </p:nvSpPr>
+        <p:spPr>
+          <a:xfrm>
+            <a:off x="41565" y="134572"/>
+            <a:ext cx="1423531" cy="369332"/>
+          </a:xfrm>
+          <a:prstGeom prst="rect">
+            <a:avLst/>
+          </a:prstGeom>
+          <a:noFill/>
+        </p:spPr>
+        <p:txBody>
+          <a:bodyPr wrap="none" rtlCol="0">
+            <a:spAutoFit/>
+          </a:bodyPr>
+          <a:lstStyle/>
+          <a:p>
+            <a:r>
+              <a:rPr lang="en-US" b="1" dirty="0"/>
+              <a:t>Version 0.0.1</a:t>
+            </a:r>
+          </a:p>
+        </p:txBody>
+      </p:sp>
+      <p:sp>
+        <p:nvSpPr>
+          <p:cNvPr id="7" name="TextBox 6">
+            <a:extLst>
+              <a:ext uri="{FF2B5EF4-FFF2-40B4-BE49-F238E27FC236}">
+                <a16:creationId xmlns:a16="http://schemas.microsoft.com/office/drawing/2014/main" id="{B581727D-5A09-874F-BB56-8496643465EC}"/>
+              </a:ext>
+            </a:extLst>
+          </p:cNvPr>
+          <p:cNvSpPr txBox="1"/>
+          <p:nvPr/>
+        </p:nvSpPr>
+        <p:spPr>
+          <a:xfrm>
+            <a:off x="102358" y="4841326"/>
+            <a:ext cx="11962263" cy="1200329"/>
+          </a:xfrm>
+          <a:prstGeom prst="rect">
+            <a:avLst/>
+          </a:prstGeom>
+          <a:noFill/>
+        </p:spPr>
+        <p:txBody>
+          <a:bodyPr wrap="square" rtlCol="0">
+            <a:spAutoFit/>
+          </a:bodyPr>
+          <a:lstStyle/>
+          <a:p>
+            <a:r>
+              <a:rPr lang="en-US" dirty="0"/>
+              <a:t>Changes in next version:</a:t>
+            </a:r>
+          </a:p>
+          <a:p>
+            <a:r>
+              <a:rPr lang="en-US" dirty="0"/>
+              <a:t>In level I, we only get the current bid and ask and that </a:t>
+            </a:r>
+            <a:r>
+              <a:rPr lang="en-US" dirty="0" err="1"/>
+              <a:t>doen’t</a:t>
+            </a:r>
+            <a:r>
+              <a:rPr lang="en-US" dirty="0"/>
+              <a:t> give the full depth of supply and demand. So we will use the level one bid and ask to identify the sales on bid and ask.</a:t>
+            </a:r>
+          </a:p>
+          <a:p>
+            <a:r>
+              <a:rPr lang="en-US" dirty="0"/>
+              <a:t>And we don’t need to keep track of bids and ask as long as we update on every API trigger.</a:t>
             </a:r>
           </a:p>
         </p:txBody>
